--- a/Python-Slides/MatplotLib-LinePlot-in-Python-Session#16.pptx
+++ b/Python-Slides/MatplotLib-LinePlot-in-Python-Session#16.pptx
@@ -109,6 +109,11 @@
       </a:defRPr>
     </a:lvl9pPr>
   </p:defaultTextStyle>
+  <p:extLst>
+    <p:ext uri="{EFAFB233-063F-42B5-8137-9DF3F51BA10A}">
+      <p15:sldGuideLst xmlns:p15="http://schemas.microsoft.com/office/powerpoint/2012/main"/>
+    </p:ext>
+  </p:extLst>
 </p:presentation>
 </file>
 
@@ -261,7 +266,7 @@
           <a:p>
             <a:fld id="{33EB228B-157F-4AB0-9A84-476DFA695422}" type="datetimeFigureOut">
               <a:rPr lang="en-IN" smtClean="0"/>
-              <a:t>16-11-2020</a:t>
+              <a:t>26-12-2020</a:t>
             </a:fld>
             <a:endParaRPr lang="en-IN"/>
           </a:p>
@@ -461,7 +466,7 @@
           <a:p>
             <a:fld id="{33EB228B-157F-4AB0-9A84-476DFA695422}" type="datetimeFigureOut">
               <a:rPr lang="en-IN" smtClean="0"/>
-              <a:t>16-11-2020</a:t>
+              <a:t>26-12-2020</a:t>
             </a:fld>
             <a:endParaRPr lang="en-IN"/>
           </a:p>
@@ -671,7 +676,7 @@
           <a:p>
             <a:fld id="{33EB228B-157F-4AB0-9A84-476DFA695422}" type="datetimeFigureOut">
               <a:rPr lang="en-IN" smtClean="0"/>
-              <a:t>16-11-2020</a:t>
+              <a:t>26-12-2020</a:t>
             </a:fld>
             <a:endParaRPr lang="en-IN"/>
           </a:p>
@@ -871,7 +876,7 @@
           <a:p>
             <a:fld id="{33EB228B-157F-4AB0-9A84-476DFA695422}" type="datetimeFigureOut">
               <a:rPr lang="en-IN" smtClean="0"/>
-              <a:t>16-11-2020</a:t>
+              <a:t>26-12-2020</a:t>
             </a:fld>
             <a:endParaRPr lang="en-IN"/>
           </a:p>
@@ -1147,7 +1152,7 @@
           <a:p>
             <a:fld id="{33EB228B-157F-4AB0-9A84-476DFA695422}" type="datetimeFigureOut">
               <a:rPr lang="en-IN" smtClean="0"/>
-              <a:t>16-11-2020</a:t>
+              <a:t>26-12-2020</a:t>
             </a:fld>
             <a:endParaRPr lang="en-IN"/>
           </a:p>
@@ -1415,7 +1420,7 @@
           <a:p>
             <a:fld id="{33EB228B-157F-4AB0-9A84-476DFA695422}" type="datetimeFigureOut">
               <a:rPr lang="en-IN" smtClean="0"/>
-              <a:t>16-11-2020</a:t>
+              <a:t>26-12-2020</a:t>
             </a:fld>
             <a:endParaRPr lang="en-IN"/>
           </a:p>
@@ -1830,7 +1835,7 @@
           <a:p>
             <a:fld id="{33EB228B-157F-4AB0-9A84-476DFA695422}" type="datetimeFigureOut">
               <a:rPr lang="en-IN" smtClean="0"/>
-              <a:t>16-11-2020</a:t>
+              <a:t>26-12-2020</a:t>
             </a:fld>
             <a:endParaRPr lang="en-IN"/>
           </a:p>
@@ -1972,7 +1977,7 @@
           <a:p>
             <a:fld id="{33EB228B-157F-4AB0-9A84-476DFA695422}" type="datetimeFigureOut">
               <a:rPr lang="en-IN" smtClean="0"/>
-              <a:t>16-11-2020</a:t>
+              <a:t>26-12-2020</a:t>
             </a:fld>
             <a:endParaRPr lang="en-IN"/>
           </a:p>
@@ -2085,7 +2090,7 @@
           <a:p>
             <a:fld id="{33EB228B-157F-4AB0-9A84-476DFA695422}" type="datetimeFigureOut">
               <a:rPr lang="en-IN" smtClean="0"/>
-              <a:t>16-11-2020</a:t>
+              <a:t>26-12-2020</a:t>
             </a:fld>
             <a:endParaRPr lang="en-IN"/>
           </a:p>
@@ -2398,7 +2403,7 @@
           <a:p>
             <a:fld id="{33EB228B-157F-4AB0-9A84-476DFA695422}" type="datetimeFigureOut">
               <a:rPr lang="en-IN" smtClean="0"/>
-              <a:t>16-11-2020</a:t>
+              <a:t>26-12-2020</a:t>
             </a:fld>
             <a:endParaRPr lang="en-IN"/>
           </a:p>
@@ -2687,7 +2692,7 @@
           <a:p>
             <a:fld id="{33EB228B-157F-4AB0-9A84-476DFA695422}" type="datetimeFigureOut">
               <a:rPr lang="en-IN" smtClean="0"/>
-              <a:t>16-11-2020</a:t>
+              <a:t>26-12-2020</a:t>
             </a:fld>
             <a:endParaRPr lang="en-IN"/>
           </a:p>
@@ -2930,7 +2935,7 @@
           <a:p>
             <a:fld id="{33EB228B-157F-4AB0-9A84-476DFA695422}" type="datetimeFigureOut">
               <a:rPr lang="en-IN" smtClean="0"/>
-              <a:t>16-11-2020</a:t>
+              <a:t>26-12-2020</a:t>
             </a:fld>
             <a:endParaRPr lang="en-IN"/>
           </a:p>
@@ -3539,11 +3544,14 @@
         </p:nvSpPr>
         <p:spPr>
           <a:xfrm>
-            <a:off x="2093415" y="2550614"/>
+            <a:off x="2279846" y="2471768"/>
             <a:ext cx="3967074" cy="1990704"/>
           </a:xfrm>
           <a:prstGeom prst="cloudCallout">
-            <a:avLst/>
+            <a:avLst>
+              <a:gd name="adj1" fmla="val -37394"/>
+              <a:gd name="adj2" fmla="val 73649"/>
+            </a:avLst>
           </a:prstGeom>
         </p:spPr>
         <p:style>
